--- a/ppt/PPT/WNC AT Commands for Socket 2.pptx
+++ b/ppt/PPT/WNC AT Commands for Socket 2.pptx
@@ -3042,7 +3042,7 @@
           <a:p>
             <a:r>
               <a:rPr lang="en-US" altLang="zh-TW" dirty="0"/>
-              <a:t>Max payload length is 1500 (why 1500?)</a:t>
+              <a:t>Max payload length is 1500 </a:t>
             </a:r>
           </a:p>
           <a:p>
@@ -4359,8 +4359,38 @@
         </p:blipFill>
         <p:spPr>
           <a:xfrm>
-            <a:off x="2190102" y="990700"/>
+            <a:off x="179390" y="990700"/>
             <a:ext cx="4763796" cy="4876600"/>
+          </a:xfrm>
+          <a:prstGeom prst="rect">
+            <a:avLst/>
+          </a:prstGeom>
+        </p:spPr>
+      </p:pic>
+      <p:pic>
+        <p:nvPicPr>
+          <p:cNvPr id="5" name="圖片 4">
+            <a:extLst>
+              <a:ext uri="{FF2B5EF4-FFF2-40B4-BE49-F238E27FC236}">
+                <a16:creationId xmlns:a16="http://schemas.microsoft.com/office/drawing/2014/main" id="{C863544B-4025-FEFC-2029-EA91582AA71D}"/>
+              </a:ext>
+            </a:extLst>
+          </p:cNvPr>
+          <p:cNvPicPr>
+            <a:picLocks noChangeAspect="1"/>
+          </p:cNvPicPr>
+          <p:nvPr/>
+        </p:nvPicPr>
+        <p:blipFill>
+          <a:blip r:embed="rId3"/>
+          <a:stretch>
+            <a:fillRect/>
+          </a:stretch>
+        </p:blipFill>
+        <p:spPr>
+          <a:xfrm>
+            <a:off x="4716020" y="1621618"/>
+            <a:ext cx="3700490" cy="3614764"/>
           </a:xfrm>
           <a:prstGeom prst="rect">
             <a:avLst/>
@@ -4458,7 +4488,7 @@
           <a:p>
             <a:r>
               <a:rPr lang="en-US" altLang="zh-TW" dirty="0"/>
-              <a:t>Max payload length is 1500 (why 1500?)</a:t>
+              <a:t>Max payload length is 1500 </a:t>
             </a:r>
           </a:p>
           <a:p>
